--- a/NET-Standard/netcore-workshop-netstandard.pptx
+++ b/NET-Standard/netcore-workshop-netstandard.pptx
@@ -40,49 +40,49 @@
   <p:notesSz cx="6858000" cy="9144000"/>
   <p:embeddedFontLst>
     <p:embeddedFont>
-      <p:font typeface="Segoe UI Semilight" panose="020B0402040204020203" pitchFamily="34" charset="0"/>
+      <p:font typeface="Calibri" panose="020F0502020204030204" pitchFamily="34" charset="0"/>
       <p:regular r:id="rId30"/>
-      <p:italic r:id="rId31"/>
+      <p:bold r:id="rId31"/>
+      <p:italic r:id="rId32"/>
+      <p:boldItalic r:id="rId33"/>
     </p:embeddedFont>
     <p:embeddedFont>
-      <p:font typeface="Calibri" panose="020F0502020204030204" pitchFamily="34" charset="0"/>
-      <p:regular r:id="rId32"/>
-      <p:bold r:id="rId33"/>
-      <p:italic r:id="rId34"/>
-      <p:boldItalic r:id="rId35"/>
+      <p:font typeface="Calibri Light" panose="020F0302020204030204" pitchFamily="34" charset="0"/>
+      <p:regular r:id="rId34"/>
+      <p:italic r:id="rId35"/>
+    </p:embeddedFont>
+    <p:embeddedFont>
+      <p:font typeface="Consolas" panose="020B0609020204030204" pitchFamily="49" charset="0"/>
+      <p:regular r:id="rId36"/>
+      <p:bold r:id="rId37"/>
+      <p:italic r:id="rId38"/>
+      <p:boldItalic r:id="rId39"/>
+    </p:embeddedFont>
+    <p:embeddedFont>
+      <p:font typeface="Righteous" panose="020B0604020202020204" charset="0"/>
+      <p:regular r:id="rId40"/>
+    </p:embeddedFont>
+    <p:embeddedFont>
+      <p:font typeface="Segoe UI" panose="020B0502040204020203" pitchFamily="34" charset="0"/>
+      <p:regular r:id="rId41"/>
+      <p:bold r:id="rId42"/>
+      <p:italic r:id="rId43"/>
+      <p:boldItalic r:id="rId44"/>
+    </p:embeddedFont>
+    <p:embeddedFont>
+      <p:font typeface="Segoe UI Light" panose="020B0502040204020203" pitchFamily="34" charset="0"/>
+      <p:regular r:id="rId45"/>
+      <p:italic r:id="rId46"/>
     </p:embeddedFont>
     <p:embeddedFont>
       <p:font typeface="Segoe UI Semibold" panose="020B0702040204020203" pitchFamily="34" charset="0"/>
-      <p:bold r:id="rId36"/>
-      <p:boldItalic r:id="rId37"/>
+      <p:bold r:id="rId47"/>
+      <p:boldItalic r:id="rId48"/>
     </p:embeddedFont>
     <p:embeddedFont>
-      <p:font typeface="Segoe UI Light" panose="020B0502040204020203" pitchFamily="34" charset="0"/>
-      <p:regular r:id="rId38"/>
-      <p:italic r:id="rId39"/>
-    </p:embeddedFont>
-    <p:embeddedFont>
-      <p:font typeface="Segoe UI" panose="020B0502040204020203" pitchFamily="34" charset="0"/>
-      <p:regular r:id="rId40"/>
-      <p:bold r:id="rId41"/>
-      <p:italic r:id="rId42"/>
-      <p:boldItalic r:id="rId43"/>
-    </p:embeddedFont>
-    <p:embeddedFont>
-      <p:font typeface="Calibri Light" panose="020F0302020204030204" pitchFamily="34" charset="0"/>
-      <p:regular r:id="rId44"/>
-      <p:italic r:id="rId45"/>
-    </p:embeddedFont>
-    <p:embeddedFont>
-      <p:font typeface="Righteous" panose="020B0604020202020204" charset="0"/>
-      <p:regular r:id="rId46"/>
-    </p:embeddedFont>
-    <p:embeddedFont>
-      <p:font typeface="Consolas" panose="020B0609020204030204" pitchFamily="49" charset="0"/>
-      <p:regular r:id="rId47"/>
-      <p:bold r:id="rId48"/>
-      <p:italic r:id="rId49"/>
-      <p:boldItalic r:id="rId50"/>
+      <p:font typeface="Segoe UI Semilight" panose="020B0402040204020203" pitchFamily="34" charset="0"/>
+      <p:regular r:id="rId49"/>
+      <p:italic r:id="rId50"/>
     </p:embeddedFont>
   </p:embeddedFontLst>
   <p:defaultTextStyle>
@@ -226,10 +226,6 @@
 </p:presentation>
 </file>
 
-<file path=ppt/revisionInfo.xml><?xml version="1.0" encoding="utf-8"?>
-<p1510:revInfo xmlns:a="http://schemas.openxmlformats.org/drawingml/2006/main" xmlns:r="http://schemas.openxmlformats.org/officeDocument/2006/relationships" xmlns:p1510="http://schemas.microsoft.com/office/powerpoint/2015/10/main"/>
-</file>
-
 <file path=ppt/notesMasters/notesMaster1.xml><?xml version="1.0" encoding="utf-8"?>
 <p:notesMaster xmlns:a="http://schemas.openxmlformats.org/drawingml/2006/main" xmlns:r="http://schemas.openxmlformats.org/officeDocument/2006/relationships" xmlns:p="http://schemas.openxmlformats.org/presentationml/2006/main">
   <p:cSld>
@@ -312,7 +308,7 @@
           <a:p>
             <a:fld id="{148BFE7F-F400-4DD9-B236-B1C0D7AE84D3}" type="datetimeFigureOut">
               <a:rPr lang="en-US" smtClean="0"/>
-              <a:t>9/17/2017</a:t>
+              <a:t>10/14/2020</a:t>
             </a:fld>
             <a:endParaRPr lang="en-US"/>
           </a:p>
@@ -839,7 +835,7 @@
                 <a:tabLst/>
                 <a:defRPr/>
               </a:pPr>
-              <a:t>9/17/2017 4:31 AM</a:t>
+              <a:t>10/14/2020 2:33 PM</a:t>
             </a:fld>
             <a:endParaRPr kumimoji="0" lang="en-US" sz="1200" b="0" i="0" u="none" strike="noStrike" kern="1200" cap="none" spc="0" normalizeH="0" baseline="0" noProof="0" dirty="0">
               <a:ln>
@@ -1169,7 +1165,7 @@
                 </a:solidFill>
               </a:rPr>
               <a:pPr/>
-              <a:t>9/17/2017 4:31 AM</a:t>
+              <a:t>10/14/2020 2:33 PM</a:t>
             </a:fld>
             <a:endParaRPr lang="en-US" dirty="0">
               <a:solidFill>
@@ -1652,7 +1648,7 @@
                 <a:tabLst/>
                 <a:defRPr/>
               </a:pPr>
-              <a:t>9/17/2017 4:31 AM</a:t>
+              <a:t>10/14/2020 2:33 PM</a:t>
             </a:fld>
             <a:endParaRPr kumimoji="0" lang="en-US" sz="1200" b="0" i="0" u="none" strike="noStrike" kern="1200" cap="none" spc="0" normalizeH="0" baseline="0" noProof="0" dirty="0">
               <a:ln>
@@ -1905,7 +1901,7 @@
           <a:p>
             <a:fld id="{38EEC551-8CDA-4EB6-89BB-2A86C9F091C8}" type="datetime8">
               <a:rPr lang="en-US" smtClean="0"/>
-              <a:t>9/17/2017 4:31 AM</a:t>
+              <a:t>10/14/2020 2:33 PM</a:t>
             </a:fld>
             <a:endParaRPr lang="en-US" dirty="0"/>
           </a:p>
@@ -2086,7 +2082,7 @@
           <a:p>
             <a:fld id="{38EEC551-8CDA-4EB6-89BB-2A86C9F091C8}" type="datetime8">
               <a:rPr lang="en-US" smtClean="0"/>
-              <a:t>9/17/2017 4:31 AM</a:t>
+              <a:t>10/14/2020 2:33 PM</a:t>
             </a:fld>
             <a:endParaRPr lang="en-US" dirty="0"/>
           </a:p>
@@ -2267,7 +2263,7 @@
           <a:p>
             <a:fld id="{38EEC551-8CDA-4EB6-89BB-2A86C9F091C8}" type="datetime8">
               <a:rPr lang="en-US" smtClean="0"/>
-              <a:t>9/17/2017 4:31 AM</a:t>
+              <a:t>10/14/2020 2:33 PM</a:t>
             </a:fld>
             <a:endParaRPr lang="en-US" dirty="0"/>
           </a:p>
@@ -2448,7 +2444,7 @@
           <a:p>
             <a:fld id="{38EEC551-8CDA-4EB6-89BB-2A86C9F091C8}" type="datetime8">
               <a:rPr lang="en-US" smtClean="0"/>
-              <a:t>9/17/2017 4:31 AM</a:t>
+              <a:t>10/14/2020 2:33 PM</a:t>
             </a:fld>
             <a:endParaRPr lang="en-US" dirty="0"/>
           </a:p>
@@ -2629,7 +2625,7 @@
           <a:p>
             <a:fld id="{38EEC551-8CDA-4EB6-89BB-2A86C9F091C8}" type="datetime8">
               <a:rPr lang="en-US" smtClean="0"/>
-              <a:t>9/17/2017 4:31 AM</a:t>
+              <a:t>10/14/2020 2:33 PM</a:t>
             </a:fld>
             <a:endParaRPr lang="en-US" dirty="0"/>
           </a:p>
@@ -2985,7 +2981,7 @@
           <a:p>
             <a:fld id="{38EEC551-8CDA-4EB6-89BB-2A86C9F091C8}" type="datetime8">
               <a:rPr lang="en-US" smtClean="0"/>
-              <a:t>9/17/2017 4:31 AM</a:t>
+              <a:t>10/14/2020 2:33 PM</a:t>
             </a:fld>
             <a:endParaRPr lang="en-US" dirty="0"/>
           </a:p>
@@ -3166,7 +3162,7 @@
           <a:p>
             <a:fld id="{38EEC551-8CDA-4EB6-89BB-2A86C9F091C8}" type="datetime8">
               <a:rPr lang="en-US" smtClean="0"/>
-              <a:t>9/17/2017 4:31 AM</a:t>
+              <a:t>10/14/2020 2:33 PM</a:t>
             </a:fld>
             <a:endParaRPr lang="en-US" dirty="0"/>
           </a:p>
@@ -3347,7 +3343,7 @@
           <a:p>
             <a:fld id="{38EEC551-8CDA-4EB6-89BB-2A86C9F091C8}" type="datetime8">
               <a:rPr lang="en-US" smtClean="0"/>
-              <a:t>9/17/2017 4:31 AM</a:t>
+              <a:t>10/14/2020 2:33 PM</a:t>
             </a:fld>
             <a:endParaRPr lang="en-US" dirty="0"/>
           </a:p>
@@ -3528,7 +3524,7 @@
           <a:p>
             <a:fld id="{38EEC551-8CDA-4EB6-89BB-2A86C9F091C8}" type="datetime8">
               <a:rPr lang="en-US" smtClean="0"/>
-              <a:t>9/17/2017 4:31 AM</a:t>
+              <a:t>10/14/2020 2:33 PM</a:t>
             </a:fld>
             <a:endParaRPr lang="en-US" dirty="0"/>
           </a:p>
@@ -3709,7 +3705,7 @@
           <a:p>
             <a:fld id="{38EEC551-8CDA-4EB6-89BB-2A86C9F091C8}" type="datetime8">
               <a:rPr lang="en-US" smtClean="0"/>
-              <a:t>9/17/2017 4:31 AM</a:t>
+              <a:t>10/14/2020 2:33 PM</a:t>
             </a:fld>
             <a:endParaRPr lang="en-US" dirty="0"/>
           </a:p>
@@ -3890,7 +3886,7 @@
           <a:p>
             <a:fld id="{38EEC551-8CDA-4EB6-89BB-2A86C9F091C8}" type="datetime8">
               <a:rPr lang="en-US" smtClean="0"/>
-              <a:t>9/17/2017 4:31 AM</a:t>
+              <a:t>10/14/2020 2:33 PM</a:t>
             </a:fld>
             <a:endParaRPr lang="en-US" dirty="0"/>
           </a:p>
@@ -4071,7 +4067,7 @@
           <a:p>
             <a:fld id="{38EEC551-8CDA-4EB6-89BB-2A86C9F091C8}" type="datetime8">
               <a:rPr lang="en-US" smtClean="0"/>
-              <a:t>9/17/2017 4:31 AM</a:t>
+              <a:t>10/14/2020 2:33 PM</a:t>
             </a:fld>
             <a:endParaRPr lang="en-US" dirty="0"/>
           </a:p>
@@ -4777,7 +4773,7 @@
           <a:p>
             <a:fld id="{38EEC551-8CDA-4EB6-89BB-2A86C9F091C8}" type="datetime8">
               <a:rPr lang="en-US" smtClean="0"/>
-              <a:t>9/17/2017 4:31 AM</a:t>
+              <a:t>10/14/2020 2:33 PM</a:t>
             </a:fld>
             <a:endParaRPr lang="en-US" dirty="0"/>
           </a:p>
@@ -5041,7 +5037,7 @@
                 <a:tabLst/>
                 <a:defRPr/>
               </a:pPr>
-              <a:t>9/17/2017 4:31 AM</a:t>
+              <a:t>10/14/2020 2:33 PM</a:t>
             </a:fld>
             <a:endParaRPr kumimoji="0" lang="en-US" sz="1200" b="0" i="0" u="none" strike="noStrike" kern="1200" cap="none" spc="0" normalizeH="0" baseline="0" noProof="0">
               <a:ln>
@@ -5287,7 +5283,7 @@
                 </a:solidFill>
               </a:rPr>
               <a:pPr/>
-              <a:t>9/17/2017 4:30 AM</a:t>
+              <a:t>10/14/2020 2:33 PM</a:t>
             </a:fld>
             <a:endParaRPr lang="en-US" dirty="0">
               <a:solidFill>
@@ -5473,7 +5469,7 @@
                 </a:solidFill>
               </a:rPr>
               <a:pPr/>
-              <a:t>9/17/2017 4:31 AM</a:t>
+              <a:t>10/14/2020 2:33 PM</a:t>
             </a:fld>
             <a:endParaRPr lang="en-US" dirty="0">
               <a:solidFill>
@@ -5677,7 +5673,7 @@
           <a:p>
             <a:fld id="{AFAAA849-1D6E-40B2-B057-39C83678EF33}" type="datetimeFigureOut">
               <a:rPr lang="en-US" smtClean="0"/>
-              <a:t>9/17/2017</a:t>
+              <a:t>10/14/2020</a:t>
             </a:fld>
             <a:endParaRPr lang="en-US"/>
           </a:p>
@@ -5875,7 +5871,7 @@
           <a:p>
             <a:fld id="{AFAAA849-1D6E-40B2-B057-39C83678EF33}" type="datetimeFigureOut">
               <a:rPr lang="en-US" smtClean="0"/>
-              <a:t>9/17/2017</a:t>
+              <a:t>10/14/2020</a:t>
             </a:fld>
             <a:endParaRPr lang="en-US"/>
           </a:p>
@@ -6083,7 +6079,7 @@
           <a:p>
             <a:fld id="{AFAAA849-1D6E-40B2-B057-39C83678EF33}" type="datetimeFigureOut">
               <a:rPr lang="en-US" smtClean="0"/>
-              <a:t>9/17/2017</a:t>
+              <a:t>10/14/2020</a:t>
             </a:fld>
             <a:endParaRPr lang="en-US"/>
           </a:p>
@@ -7468,7 +7464,7 @@
           <a:p>
             <a:fld id="{AFAAA849-1D6E-40B2-B057-39C83678EF33}" type="datetimeFigureOut">
               <a:rPr lang="en-US" smtClean="0"/>
-              <a:t>9/17/2017</a:t>
+              <a:t>10/14/2020</a:t>
             </a:fld>
             <a:endParaRPr lang="en-US"/>
           </a:p>
@@ -7743,7 +7739,7 @@
           <a:p>
             <a:fld id="{AFAAA849-1D6E-40B2-B057-39C83678EF33}" type="datetimeFigureOut">
               <a:rPr lang="en-US" smtClean="0"/>
-              <a:t>9/17/2017</a:t>
+              <a:t>10/14/2020</a:t>
             </a:fld>
             <a:endParaRPr lang="en-US"/>
           </a:p>
@@ -8008,7 +8004,7 @@
           <a:p>
             <a:fld id="{AFAAA849-1D6E-40B2-B057-39C83678EF33}" type="datetimeFigureOut">
               <a:rPr lang="en-US" smtClean="0"/>
-              <a:t>9/17/2017</a:t>
+              <a:t>10/14/2020</a:t>
             </a:fld>
             <a:endParaRPr lang="en-US"/>
           </a:p>
@@ -8420,7 +8416,7 @@
           <a:p>
             <a:fld id="{AFAAA849-1D6E-40B2-B057-39C83678EF33}" type="datetimeFigureOut">
               <a:rPr lang="en-US" smtClean="0"/>
-              <a:t>9/17/2017</a:t>
+              <a:t>10/14/2020</a:t>
             </a:fld>
             <a:endParaRPr lang="en-US"/>
           </a:p>
@@ -8561,7 +8557,7 @@
           <a:p>
             <a:fld id="{AFAAA849-1D6E-40B2-B057-39C83678EF33}" type="datetimeFigureOut">
               <a:rPr lang="en-US" smtClean="0"/>
-              <a:t>9/17/2017</a:t>
+              <a:t>10/14/2020</a:t>
             </a:fld>
             <a:endParaRPr lang="en-US"/>
           </a:p>
@@ -8674,7 +8670,7 @@
           <a:p>
             <a:fld id="{AFAAA849-1D6E-40B2-B057-39C83678EF33}" type="datetimeFigureOut">
               <a:rPr lang="en-US" smtClean="0"/>
-              <a:t>9/17/2017</a:t>
+              <a:t>10/14/2020</a:t>
             </a:fld>
             <a:endParaRPr lang="en-US"/>
           </a:p>
@@ -8985,7 +8981,7 @@
           <a:p>
             <a:fld id="{AFAAA849-1D6E-40B2-B057-39C83678EF33}" type="datetimeFigureOut">
               <a:rPr lang="en-US" smtClean="0"/>
-              <a:t>9/17/2017</a:t>
+              <a:t>10/14/2020</a:t>
             </a:fld>
             <a:endParaRPr lang="en-US"/>
           </a:p>
@@ -9273,7 +9269,7 @@
           <a:p>
             <a:fld id="{AFAAA849-1D6E-40B2-B057-39C83678EF33}" type="datetimeFigureOut">
               <a:rPr lang="en-US" smtClean="0"/>
-              <a:t>9/17/2017</a:t>
+              <a:t>10/14/2020</a:t>
             </a:fld>
             <a:endParaRPr lang="en-US"/>
           </a:p>
@@ -9514,7 +9510,7 @@
           <a:p>
             <a:fld id="{AFAAA849-1D6E-40B2-B057-39C83678EF33}" type="datetimeFigureOut">
               <a:rPr lang="en-US" smtClean="0"/>
-              <a:t>9/17/2017</a:t>
+              <a:t>10/14/2020</a:t>
             </a:fld>
             <a:endParaRPr lang="en-US"/>
           </a:p>
@@ -10431,7 +10427,7 @@
       </a:lvl9pPr>
     </p:otherStyle>
   </p:txStyles>
-  <p:extLst mod="1">
+  <p:extLst>
     <p:ext uri="{27BBF7A9-308A-43DC-89C8-2F10F3537804}">
       <p15:sldGuideLst xmlns:p15="http://schemas.microsoft.com/office/powerpoint/2012/main">
         <p15:guide id="1" orient="horz" pos="187">
@@ -11976,8 +11972,13 @@
           <a:p>
             <a:r>
               <a:rPr lang="en-US" dirty="0"/>
-              <a:t>How does .NET Standard work?</a:t>
-            </a:r>
+              <a:t>How does .NET Standard </a:t>
+            </a:r>
+            <a:r>
+              <a:rPr lang="en-US"/>
+              <a:t>work? </a:t>
+            </a:r>
+            <a:endParaRPr lang="en-US" dirty="0"/>
           </a:p>
         </p:txBody>
       </p:sp>
@@ -21755,9 +21756,7 @@
           <p:cNvGraphicFramePr>
             <a:graphicFrameLocks noGrp="1"/>
           </p:cNvGraphicFramePr>
-          <p:nvPr>
-            <p:extLst/>
-          </p:nvPr>
+          <p:nvPr/>
         </p:nvGraphicFramePr>
         <p:xfrm>
           <a:off x="503394" y="4903978"/>
@@ -23005,9 +23004,7 @@
           <p:cNvGraphicFramePr>
             <a:graphicFrameLocks noGrp="1"/>
           </p:cNvGraphicFramePr>
-          <p:nvPr>
-            <p:extLst/>
-          </p:nvPr>
+          <p:nvPr/>
         </p:nvGraphicFramePr>
         <p:xfrm>
           <a:off x="913049" y="3137364"/>
@@ -23250,9 +23247,7 @@
           <p:cNvGraphicFramePr>
             <a:graphicFrameLocks noGrp="1"/>
           </p:cNvGraphicFramePr>
-          <p:nvPr>
-            <p:extLst/>
-          </p:nvPr>
+          <p:nvPr/>
         </p:nvGraphicFramePr>
         <p:xfrm>
           <a:off x="6445341" y="3137364"/>
